--- a/Diag/Diagrams.pptx
+++ b/Diag/Diagrams.pptx
@@ -2842,22 +2842,28 @@
       </p:sp>
       <p:pic>
         <p:nvPicPr>
-          <p:cNvPr id="2" name="Picture 1"/>
+          <p:cNvPr id="4" name="Picture 3"/>
           <p:cNvPicPr>
             <a:picLocks noChangeAspect="1"/>
           </p:cNvPicPr>
           <p:nvPr/>
         </p:nvPicPr>
         <p:blipFill>
-          <a:blip r:embed="rId2"/>
+          <a:blip r:embed="rId2" cstate="print">
+            <a:extLst>
+              <a:ext uri="{28A0092B-C50C-407E-A947-70E740481C1C}">
+                <a14:useLocalDpi xmlns:a14="http://schemas.microsoft.com/office/drawing/2010/main" val="0"/>
+              </a:ext>
+            </a:extLst>
+          </a:blip>
           <a:stretch>
             <a:fillRect/>
           </a:stretch>
         </p:blipFill>
         <p:spPr>
           <a:xfrm>
-            <a:off x="914971" y="2299999"/>
-            <a:ext cx="9382125" cy="2886075"/>
+            <a:off x="1794242" y="1572197"/>
+            <a:ext cx="5926071" cy="4402276"/>
           </a:xfrm>
           <a:prstGeom prst="rect">
             <a:avLst/>
